--- a/成果発表(中村大輝).pptx
+++ b/成果発表(中村大輝).pptx
@@ -5,7 +5,7 @@
     <p:sldMasterId id="2147483648" r:id="rId1"/>
   </p:sldMasterIdLst>
   <p:notesMasterIdLst>
-    <p:notesMasterId r:id="rId16"/>
+    <p:notesMasterId r:id="rId17"/>
   </p:notesMasterIdLst>
   <p:sldIdLst>
     <p:sldId id="256" r:id="rId2"/>
@@ -18,10 +18,11 @@
     <p:sldId id="269" r:id="rId9"/>
     <p:sldId id="265" r:id="rId10"/>
     <p:sldId id="260" r:id="rId11"/>
-    <p:sldId id="261" r:id="rId12"/>
-    <p:sldId id="270" r:id="rId13"/>
-    <p:sldId id="271" r:id="rId14"/>
-    <p:sldId id="262" r:id="rId15"/>
+    <p:sldId id="272" r:id="rId12"/>
+    <p:sldId id="261" r:id="rId13"/>
+    <p:sldId id="270" r:id="rId14"/>
+    <p:sldId id="271" r:id="rId15"/>
+    <p:sldId id="262" r:id="rId16"/>
   </p:sldIdLst>
   <p:sldSz cx="12192000" cy="6858000"/>
   <p:notesSz cx="6858000" cy="9144000"/>
@@ -221,7 +222,7 @@
           <a:p>
             <a:fld id="{E00C3E60-EA60-4EBE-85C5-3E3E657E0FB5}" type="datetimeFigureOut">
               <a:rPr kumimoji="1" lang="ja-JP" altLang="en-US" smtClean="0"/>
-              <a:t>2017/4/28</a:t>
+              <a:t>2017/5/1</a:t>
             </a:fld>
             <a:endParaRPr kumimoji="1" lang="ja-JP" altLang="en-US"/>
           </a:p>
@@ -1267,7 +1268,7 @@
           <a:p>
             <a:fld id="{3663A5FD-9CC4-4AEF-9670-2A42C0CC7D13}" type="datetime1">
               <a:rPr lang="en-US" altLang="ja-JP" smtClean="0"/>
-              <a:t>4/28/2017</a:t>
+              <a:t>5/1/2017</a:t>
             </a:fld>
             <a:endParaRPr lang="en-US" dirty="0"/>
           </a:p>
@@ -1544,7 +1545,7 @@
           <a:p>
             <a:fld id="{13599C26-9134-4802-9F8C-598F855A99B3}" type="datetime1">
               <a:rPr lang="en-US" altLang="ja-JP" smtClean="0"/>
-              <a:t>4/28/2017</a:t>
+              <a:t>5/1/2017</a:t>
             </a:fld>
             <a:endParaRPr lang="en-US" dirty="0"/>
           </a:p>
@@ -1854,7 +1855,7 @@
           <a:p>
             <a:fld id="{9D9CF882-D7B8-452C-9439-7DC549EFDCD3}" type="datetime1">
               <a:rPr lang="en-US" altLang="ja-JP" smtClean="0"/>
-              <a:t>4/28/2017</a:t>
+              <a:t>5/1/2017</a:t>
             </a:fld>
             <a:endParaRPr lang="en-US" dirty="0"/>
           </a:p>
@@ -2183,7 +2184,7 @@
           <a:p>
             <a:fld id="{9F8631E4-EF51-47AF-838F-2537EE6DCF54}" type="datetime1">
               <a:rPr lang="en-US" altLang="ja-JP" smtClean="0"/>
-              <a:t>4/28/2017</a:t>
+              <a:t>5/1/2017</a:t>
             </a:fld>
             <a:endParaRPr lang="en-US" dirty="0"/>
           </a:p>
@@ -2493,7 +2494,7 @@
           <a:p>
             <a:fld id="{209D824E-DD92-40D8-87A8-39A8FA224BA3}" type="datetime1">
               <a:rPr lang="en-US" altLang="ja-JP" smtClean="0"/>
-              <a:t>4/28/2017</a:t>
+              <a:t>5/1/2017</a:t>
             </a:fld>
             <a:endParaRPr lang="en-US" dirty="0"/>
           </a:p>
@@ -2882,7 +2883,7 @@
           <a:p>
             <a:fld id="{78486465-B0B7-4639-8AD1-D075D5C7B3B9}" type="datetime1">
               <a:rPr lang="en-US" altLang="ja-JP" smtClean="0"/>
-              <a:t>4/28/2017</a:t>
+              <a:t>5/1/2017</a:t>
             </a:fld>
             <a:endParaRPr lang="en-US" dirty="0"/>
           </a:p>
@@ -3080,7 +3081,7 @@
           <a:p>
             <a:fld id="{A3246224-E603-4F1D-B224-ECE2E021DE06}" type="datetime1">
               <a:rPr lang="en-US" altLang="ja-JP" smtClean="0"/>
-              <a:t>4/28/2017</a:t>
+              <a:t>5/1/2017</a:t>
             </a:fld>
             <a:endParaRPr lang="en-US" dirty="0"/>
           </a:p>
@@ -3287,7 +3288,7 @@
           <a:p>
             <a:fld id="{C7C2EA47-4DF2-4D21-BBB3-AE03580CB6C9}" type="datetime1">
               <a:rPr lang="en-US" altLang="ja-JP" smtClean="0"/>
-              <a:t>4/28/2017</a:t>
+              <a:t>5/1/2017</a:t>
             </a:fld>
             <a:endParaRPr lang="en-US" dirty="0"/>
           </a:p>
@@ -3497,7 +3498,7 @@
           <a:p>
             <a:fld id="{FCA57C1D-33C4-439B-8906-4DE917145E8E}" type="datetime1">
               <a:rPr lang="en-US" altLang="ja-JP" smtClean="0"/>
-              <a:t>4/28/2017</a:t>
+              <a:t>5/1/2017</a:t>
             </a:fld>
             <a:endParaRPr lang="en-US" dirty="0"/>
           </a:p>
@@ -3789,7 +3790,7 @@
           <a:p>
             <a:fld id="{6861154D-BC28-4933-8362-9AC94DDDF181}" type="datetime1">
               <a:rPr lang="en-US" altLang="ja-JP" smtClean="0"/>
-              <a:t>4/28/2017</a:t>
+              <a:t>5/1/2017</a:t>
             </a:fld>
             <a:endParaRPr lang="en-US" dirty="0"/>
           </a:p>
@@ -4124,7 +4125,7 @@
           <a:p>
             <a:fld id="{2CAB39AF-31C8-4930-84CA-5E15C0F7702D}" type="datetime1">
               <a:rPr lang="en-US" altLang="ja-JP" smtClean="0"/>
-              <a:t>4/28/2017</a:t>
+              <a:t>5/1/2017</a:t>
             </a:fld>
             <a:endParaRPr lang="en-US" dirty="0"/>
           </a:p>
@@ -4557,7 +4558,7 @@
           <a:p>
             <a:fld id="{6243F43F-73E0-46D9-8A98-55F2D8B018A4}" type="datetime1">
               <a:rPr lang="en-US" altLang="ja-JP" smtClean="0"/>
-              <a:t>4/28/2017</a:t>
+              <a:t>5/1/2017</a:t>
             </a:fld>
             <a:endParaRPr lang="en-US" dirty="0"/>
           </a:p>
@@ -4676,7 +4677,7 @@
           <a:p>
             <a:fld id="{4449376A-F2B5-4524-8402-6F6FA1D07346}" type="datetime1">
               <a:rPr lang="en-US" altLang="ja-JP" smtClean="0"/>
-              <a:t>4/28/2017</a:t>
+              <a:t>5/1/2017</a:t>
             </a:fld>
             <a:endParaRPr lang="en-US" dirty="0"/>
           </a:p>
@@ -4767,7 +4768,7 @@
           <a:p>
             <a:fld id="{222E9BFB-4FAA-47BA-9F9B-61C75DE57702}" type="datetime1">
               <a:rPr lang="en-US" altLang="ja-JP" smtClean="0"/>
-              <a:t>4/28/2017</a:t>
+              <a:t>5/1/2017</a:t>
             </a:fld>
             <a:endParaRPr lang="en-US" dirty="0"/>
           </a:p>
@@ -5050,7 +5051,7 @@
           <a:p>
             <a:fld id="{1FDF9E3C-6A91-4234-81FB-E55EC3DC2F07}" type="datetime1">
               <a:rPr lang="en-US" altLang="ja-JP" smtClean="0"/>
-              <a:t>4/28/2017</a:t>
+              <a:t>5/1/2017</a:t>
             </a:fld>
             <a:endParaRPr lang="en-US" dirty="0"/>
           </a:p>
@@ -5351,7 +5352,7 @@
           <a:p>
             <a:fld id="{CB1BBE28-94C2-4FD5-9365-3D5E0B601712}" type="datetime1">
               <a:rPr lang="en-US" altLang="ja-JP" smtClean="0"/>
-              <a:t>4/28/2017</a:t>
+              <a:t>5/1/2017</a:t>
             </a:fld>
             <a:endParaRPr lang="en-US" dirty="0"/>
           </a:p>
@@ -6080,7 +6081,7 @@
           <a:p>
             <a:fld id="{69661924-CEFA-4CD8-B2DA-70733A9F690D}" type="datetime1">
               <a:rPr lang="en-US" altLang="ja-JP" smtClean="0"/>
-              <a:t>4/28/2017</a:t>
+              <a:t>5/1/2017</a:t>
             </a:fld>
             <a:endParaRPr lang="en-US" dirty="0"/>
           </a:p>
@@ -6643,22 +6644,18 @@
           <a:bodyPr/>
           <a:lstStyle/>
           <a:p>
-            <a:pPr algn="ctr"/>
             <a:r>
               <a:rPr kumimoji="1" lang="en-US" altLang="ja-JP" sz="2400" dirty="0"/>
-              <a:t>2017/5/2(</a:t>
-            </a:r>
-            <a:r>
-              <a:rPr kumimoji="1" lang="ja-JP" altLang="en-US" sz="2400" dirty="0"/>
-              <a:t>火</a:t>
-            </a:r>
-            <a:r>
-              <a:rPr kumimoji="1" lang="en-US" altLang="ja-JP" sz="2400" dirty="0"/>
-              <a:t>)</a:t>
-            </a:r>
-          </a:p>
-          <a:p>
-            <a:pPr algn="ctr"/>
+              <a:t>2017/5/2</a:t>
+            </a:r>
+            <a:r>
+              <a:rPr lang="ja-JP" altLang="en-US" sz="2400" dirty="0"/>
+              <a:t> 社員番号</a:t>
+            </a:r>
+            <a:r>
+              <a:rPr lang="en-US" altLang="ja-JP" sz="2400" dirty="0"/>
+              <a:t>:208 </a:t>
+            </a:r>
             <a:r>
               <a:rPr lang="ja-JP" altLang="en-US" sz="2400" dirty="0"/>
               <a:t>中村大輝</a:t>
@@ -6767,7 +6764,7 @@
             </a:pPr>
             <a:r>
               <a:rPr lang="ja-JP" altLang="en-US" sz="3600" dirty="0"/>
-              <a:t>説明の仕方の違い</a:t>
+              <a:t>　説明の仕方の違い</a:t>
             </a:r>
             <a:endParaRPr kumimoji="1" lang="ja-JP" altLang="en-US" sz="3600" dirty="0"/>
           </a:p>
@@ -6844,7 +6841,7 @@
           <a:p>
             <a:r>
               <a:rPr kumimoji="1" lang="ja-JP" altLang="en-US" dirty="0"/>
-              <a:t>総合課題</a:t>
+              <a:t>輪講</a:t>
             </a:r>
           </a:p>
         </p:txBody>
@@ -6859,10 +6856,15 @@
             <p:ph idx="1"/>
           </p:nvPr>
         </p:nvSpPr>
-        <p:spPr/>
+        <p:spPr>
+          <a:xfrm>
+            <a:off x="677334" y="2160589"/>
+            <a:ext cx="8596668" cy="4264285"/>
+          </a:xfrm>
+        </p:spPr>
         <p:txBody>
           <a:bodyPr>
-            <a:normAutofit lnSpcReduction="10000"/>
+            <a:normAutofit/>
           </a:bodyPr>
           <a:lstStyle/>
           <a:p>
@@ -6876,8 +6878,12 @@
               <a:buNone/>
             </a:pPr>
             <a:r>
+              <a:rPr lang="ja-JP" altLang="en-US" sz="3600" dirty="0"/>
+              <a:t>→</a:t>
+            </a:r>
+            <a:r>
               <a:rPr kumimoji="1" lang="ja-JP" altLang="en-US" sz="3600" dirty="0"/>
-              <a:t>■作成物</a:t>
+              <a:t>専門学校の場合</a:t>
             </a:r>
             <a:endParaRPr kumimoji="1" lang="en-US" altLang="ja-JP" sz="3600" dirty="0"/>
           </a:p>
@@ -6887,7 +6893,7 @@
             </a:pPr>
             <a:r>
               <a:rPr lang="ja-JP" altLang="en-US" sz="3600" dirty="0"/>
-              <a:t>→括弧チェッカー</a:t>
+              <a:t>　できることを教わる</a:t>
             </a:r>
             <a:endParaRPr lang="en-US" altLang="ja-JP" sz="3600" dirty="0"/>
           </a:p>
@@ -6902,20 +6908,19 @@
               <a:buNone/>
             </a:pPr>
             <a:r>
+              <a:rPr lang="ja-JP" altLang="en-US" sz="3600" dirty="0"/>
+              <a:t>→陰山さんの場合</a:t>
+            </a:r>
+            <a:endParaRPr lang="en-US" altLang="ja-JP" sz="3600" dirty="0"/>
+          </a:p>
+          <a:p>
+            <a:pPr marL="0" indent="0">
+              <a:buNone/>
+            </a:pPr>
+            <a:r>
               <a:rPr kumimoji="1" lang="ja-JP" altLang="en-US" sz="3600" dirty="0"/>
-              <a:t>■機能</a:t>
-            </a:r>
-            <a:endParaRPr kumimoji="1" lang="en-US" altLang="ja-JP" sz="3600" dirty="0"/>
-          </a:p>
-          <a:p>
-            <a:pPr marL="0" indent="0">
-              <a:buNone/>
-            </a:pPr>
-            <a:r>
-              <a:rPr lang="ja-JP" altLang="en-US" sz="3600" dirty="0"/>
-              <a:t>→｛｝（）の対応を調べる</a:t>
-            </a:r>
-            <a:endParaRPr kumimoji="1" lang="en-US" altLang="ja-JP" sz="3600" dirty="0"/>
+              <a:t>　使う目的を教わる</a:t>
+            </a:r>
           </a:p>
         </p:txBody>
       </p:sp>
@@ -6946,7 +6951,7 @@
     </p:spTree>
     <p:extLst>
       <p:ext uri="{BB962C8B-B14F-4D97-AF65-F5344CB8AC3E}">
-        <p14:creationId xmlns:p14="http://schemas.microsoft.com/office/powerpoint/2010/main" val="2090363879"/>
+        <p14:creationId xmlns:p14="http://schemas.microsoft.com/office/powerpoint/2010/main" val="4114689687"/>
       </p:ext>
     </p:extLst>
   </p:cSld>
@@ -7008,29 +7013,9 @@
         <p:spPr/>
         <p:txBody>
           <a:bodyPr>
-            <a:normAutofit/>
+            <a:normAutofit lnSpcReduction="10000"/>
           </a:bodyPr>
           <a:lstStyle/>
-          <a:p>
-            <a:pPr marL="0" indent="0">
-              <a:buNone/>
-            </a:pPr>
-            <a:r>
-              <a:rPr kumimoji="1" lang="ja-JP" altLang="en-US" sz="3600" dirty="0"/>
-              <a:t>■苦労したこと</a:t>
-            </a:r>
-            <a:endParaRPr kumimoji="1" lang="en-US" altLang="ja-JP" sz="3600" dirty="0"/>
-          </a:p>
-          <a:p>
-            <a:pPr marL="0" indent="0">
-              <a:buNone/>
-            </a:pPr>
-            <a:r>
-              <a:rPr lang="ja-JP" altLang="en-US" sz="3600" dirty="0"/>
-              <a:t>→仕様書について</a:t>
-            </a:r>
-            <a:endParaRPr lang="en-US" altLang="ja-JP" sz="3600" dirty="0"/>
-          </a:p>
           <a:p>
             <a:pPr marL="0" indent="0">
               <a:buNone/>
@@ -7042,10 +7027,46 @@
               <a:buNone/>
             </a:pPr>
             <a:r>
+              <a:rPr kumimoji="1" lang="ja-JP" altLang="en-US" sz="3600" dirty="0"/>
+              <a:t>■作成物</a:t>
+            </a:r>
+            <a:endParaRPr kumimoji="1" lang="en-US" altLang="ja-JP" sz="3600" dirty="0"/>
+          </a:p>
+          <a:p>
+            <a:pPr marL="0" indent="0">
+              <a:buNone/>
+            </a:pPr>
+            <a:r>
               <a:rPr lang="ja-JP" altLang="en-US" sz="3600" dirty="0"/>
-              <a:t>→フローチャート作成</a:t>
-            </a:r>
-            <a:endParaRPr kumimoji="1" lang="ja-JP" altLang="en-US" sz="3600" dirty="0"/>
+              <a:t>→括弧チェッカー</a:t>
+            </a:r>
+            <a:endParaRPr lang="en-US" altLang="ja-JP" sz="3600" dirty="0"/>
+          </a:p>
+          <a:p>
+            <a:pPr marL="0" indent="0">
+              <a:buNone/>
+            </a:pPr>
+            <a:endParaRPr kumimoji="1" lang="en-US" altLang="ja-JP" sz="3600" dirty="0"/>
+          </a:p>
+          <a:p>
+            <a:pPr marL="0" indent="0">
+              <a:buNone/>
+            </a:pPr>
+            <a:r>
+              <a:rPr kumimoji="1" lang="ja-JP" altLang="en-US" sz="3600" dirty="0"/>
+              <a:t>■機能</a:t>
+            </a:r>
+            <a:endParaRPr kumimoji="1" lang="en-US" altLang="ja-JP" sz="3600" dirty="0"/>
+          </a:p>
+          <a:p>
+            <a:pPr marL="0" indent="0">
+              <a:buNone/>
+            </a:pPr>
+            <a:r>
+              <a:rPr lang="ja-JP" altLang="en-US" sz="3600" dirty="0"/>
+              <a:t>→｛｝（）の対応を調べる</a:t>
+            </a:r>
+            <a:endParaRPr kumimoji="1" lang="en-US" altLang="ja-JP" sz="3600" dirty="0"/>
           </a:p>
         </p:txBody>
       </p:sp>
@@ -7076,7 +7097,7 @@
     </p:spTree>
     <p:extLst>
       <p:ext uri="{BB962C8B-B14F-4D97-AF65-F5344CB8AC3E}">
-        <p14:creationId xmlns:p14="http://schemas.microsoft.com/office/powerpoint/2010/main" val="111230370"/>
+        <p14:creationId xmlns:p14="http://schemas.microsoft.com/office/powerpoint/2010/main" val="2090363879"/>
       </p:ext>
     </p:extLst>
   </p:cSld>
@@ -7120,7 +7141,7 @@
           <a:p>
             <a:r>
               <a:rPr kumimoji="1" lang="ja-JP" altLang="en-US" dirty="0"/>
-              <a:t>まとめ</a:t>
+              <a:t>総合課題</a:t>
             </a:r>
           </a:p>
         </p:txBody>
@@ -7135,7 +7156,12 @@
             <p:ph idx="1"/>
           </p:nvPr>
         </p:nvSpPr>
-        <p:spPr/>
+        <p:spPr>
+          <a:xfrm>
+            <a:off x="677334" y="2160589"/>
+            <a:ext cx="8596668" cy="4264285"/>
+          </a:xfrm>
+        </p:spPr>
         <p:txBody>
           <a:bodyPr>
             <a:normAutofit/>
@@ -7147,11 +7173,27 @@
             </a:pPr>
             <a:r>
               <a:rPr kumimoji="1" lang="ja-JP" altLang="en-US" sz="3600" dirty="0"/>
-              <a:t>■短い</a:t>
-            </a:r>
+              <a:t>■苦労したこと</a:t>
+            </a:r>
+            <a:endParaRPr kumimoji="1" lang="en-US" altLang="ja-JP" sz="3600" dirty="0"/>
+          </a:p>
+          <a:p>
+            <a:pPr marL="0" indent="0">
+              <a:buNone/>
+            </a:pPr>
             <a:r>
               <a:rPr lang="ja-JP" altLang="en-US" sz="3600" dirty="0"/>
-              <a:t>一か月だった</a:t>
+              <a:t>→仕様書について</a:t>
+            </a:r>
+            <a:endParaRPr lang="en-US" altLang="ja-JP" sz="3600" dirty="0"/>
+          </a:p>
+          <a:p>
+            <a:pPr marL="0" indent="0">
+              <a:buNone/>
+            </a:pPr>
+            <a:r>
+              <a:rPr lang="ja-JP" altLang="en-US" sz="3600" dirty="0"/>
+              <a:t>　認識がずれていた</a:t>
             </a:r>
             <a:endParaRPr lang="en-US" altLang="ja-JP" sz="3600" dirty="0"/>
           </a:p>
@@ -7167,7 +7209,25 @@
             </a:pPr>
             <a:r>
               <a:rPr lang="ja-JP" altLang="en-US" sz="3600" dirty="0"/>
-              <a:t>■陰山さんの課題が楽しかった</a:t>
+              <a:t>→フローチャート作成</a:t>
+            </a:r>
+            <a:endParaRPr lang="en-US" altLang="ja-JP" sz="3600" dirty="0"/>
+          </a:p>
+          <a:p>
+            <a:pPr marL="0" indent="0">
+              <a:buNone/>
+            </a:pPr>
+            <a:r>
+              <a:rPr kumimoji="1" lang="ja-JP" altLang="en-US" sz="3600" dirty="0"/>
+              <a:t>　</a:t>
+            </a:r>
+            <a:r>
+              <a:rPr lang="en-US" altLang="ja-JP" sz="3600" dirty="0"/>
+              <a:t>if</a:t>
+            </a:r>
+            <a:r>
+              <a:rPr lang="ja-JP" altLang="en-US" sz="3600" dirty="0"/>
+              <a:t>文が多くなったため</a:t>
             </a:r>
             <a:endParaRPr kumimoji="1" lang="ja-JP" altLang="en-US" sz="3600" dirty="0"/>
           </a:p>
@@ -7192,6 +7252,139 @@
               <a:rPr lang="en-US" smtClean="0"/>
               <a:pPr/>
               <a:t>13</a:t>
+            </a:fld>
+            <a:endParaRPr lang="en-US" dirty="0"/>
+          </a:p>
+        </p:txBody>
+      </p:sp>
+    </p:spTree>
+    <p:extLst>
+      <p:ext uri="{BB962C8B-B14F-4D97-AF65-F5344CB8AC3E}">
+        <p14:creationId xmlns:p14="http://schemas.microsoft.com/office/powerpoint/2010/main" val="111230370"/>
+      </p:ext>
+    </p:extLst>
+  </p:cSld>
+  <p:clrMapOvr>
+    <a:masterClrMapping/>
+  </p:clrMapOvr>
+</p:sld>
+</file>
+
+<file path=ppt/slides/slide14.xml><?xml version="1.0" encoding="utf-8"?>
+<p:sld xmlns:a="http://schemas.openxmlformats.org/drawingml/2006/main" xmlns:r="http://schemas.openxmlformats.org/officeDocument/2006/relationships" xmlns:p="http://schemas.openxmlformats.org/presentationml/2006/main">
+  <p:cSld>
+    <p:spTree>
+      <p:nvGrpSpPr>
+        <p:cNvPr id="1" name=""/>
+        <p:cNvGrpSpPr/>
+        <p:nvPr/>
+      </p:nvGrpSpPr>
+      <p:grpSpPr>
+        <a:xfrm>
+          <a:off x="0" y="0"/>
+          <a:ext cx="0" cy="0"/>
+          <a:chOff x="0" y="0"/>
+          <a:chExt cx="0" cy="0"/>
+        </a:xfrm>
+      </p:grpSpPr>
+      <p:sp>
+        <p:nvSpPr>
+          <p:cNvPr id="2" name="タイトル 1"/>
+          <p:cNvSpPr>
+            <a:spLocks noGrp="1"/>
+          </p:cNvSpPr>
+          <p:nvPr>
+            <p:ph type="title"/>
+          </p:nvPr>
+        </p:nvSpPr>
+        <p:spPr/>
+        <p:txBody>
+          <a:bodyPr/>
+          <a:lstStyle/>
+          <a:p>
+            <a:r>
+              <a:rPr kumimoji="1" lang="ja-JP" altLang="en-US" dirty="0"/>
+              <a:t>まとめ</a:t>
+            </a:r>
+          </a:p>
+        </p:txBody>
+      </p:sp>
+      <p:sp>
+        <p:nvSpPr>
+          <p:cNvPr id="3" name="コンテンツ プレースホルダー 2"/>
+          <p:cNvSpPr>
+            <a:spLocks noGrp="1"/>
+          </p:cNvSpPr>
+          <p:nvPr>
+            <p:ph idx="1"/>
+          </p:nvPr>
+        </p:nvSpPr>
+        <p:spPr/>
+        <p:txBody>
+          <a:bodyPr>
+            <a:normAutofit/>
+          </a:bodyPr>
+          <a:lstStyle/>
+          <a:p>
+            <a:pPr marL="0" indent="0">
+              <a:buNone/>
+            </a:pPr>
+            <a:r>
+              <a:rPr kumimoji="1" lang="ja-JP" altLang="en-US" sz="3600" dirty="0"/>
+              <a:t>■短い</a:t>
+            </a:r>
+            <a:r>
+              <a:rPr lang="ja-JP" altLang="en-US" sz="3600" dirty="0"/>
+              <a:t>一か月だった</a:t>
+            </a:r>
+            <a:endParaRPr lang="en-US" altLang="ja-JP" sz="3600" dirty="0"/>
+          </a:p>
+          <a:p>
+            <a:pPr marL="0" indent="0">
+              <a:buNone/>
+            </a:pPr>
+            <a:endParaRPr kumimoji="1" lang="en-US" altLang="ja-JP" sz="3600" dirty="0"/>
+          </a:p>
+          <a:p>
+            <a:pPr marL="0" indent="0">
+              <a:buNone/>
+            </a:pPr>
+            <a:r>
+              <a:rPr lang="ja-JP" altLang="en-US" sz="3600" dirty="0"/>
+              <a:t>■陰山さんの課題が楽しかった</a:t>
+            </a:r>
+            <a:endParaRPr lang="en-US" altLang="ja-JP" sz="3600" dirty="0"/>
+          </a:p>
+          <a:p>
+            <a:pPr marL="0" indent="0">
+              <a:buNone/>
+            </a:pPr>
+            <a:r>
+              <a:rPr kumimoji="1" lang="ja-JP" altLang="en-US" sz="3600" dirty="0"/>
+              <a:t>→円の面積を求める問題など</a:t>
+            </a:r>
+          </a:p>
+        </p:txBody>
+      </p:sp>
+      <p:sp>
+        <p:nvSpPr>
+          <p:cNvPr id="4" name="スライド番号プレースホルダー 3"/>
+          <p:cNvSpPr>
+            <a:spLocks noGrp="1"/>
+          </p:cNvSpPr>
+          <p:nvPr>
+            <p:ph type="sldNum" sz="quarter" idx="12"/>
+          </p:nvPr>
+        </p:nvSpPr>
+        <p:spPr/>
+        <p:txBody>
+          <a:bodyPr/>
+          <a:lstStyle/>
+          <a:p>
+            <a:fld id="{519954A3-9DFD-4C44-94BA-B95130A3BA1C}" type="slidenum">
+              <a:rPr lang="en-US" smtClean="0"/>
+              <a:pPr/>
+              <a:t>14</a:t>
             </a:fld>
             <a:endParaRPr lang="en-US" dirty="0"/>
           </a:p>
@@ -7210,7 +7403,7 @@
 </p:sld>
 </file>
 
-<file path=ppt/slides/slide14.xml><?xml version="1.0" encoding="utf-8"?>
+<file path=ppt/slides/slide15.xml><?xml version="1.0" encoding="utf-8"?>
 <p:sld xmlns:a="http://schemas.openxmlformats.org/drawingml/2006/main" xmlns:r="http://schemas.openxmlformats.org/officeDocument/2006/relationships" xmlns:p="http://schemas.openxmlformats.org/presentationml/2006/main">
   <p:cSld>
     <p:spTree>
@@ -7334,7 +7527,19 @@
             </a:pPr>
             <a:r>
               <a:rPr lang="ja-JP" altLang="en-US" sz="3600" dirty="0"/>
-              <a:t>■七つの習慣セミナー</a:t>
+              <a:t>■</a:t>
+            </a:r>
+            <a:r>
+              <a:rPr lang="en-US" altLang="ja-JP" sz="3600" dirty="0"/>
+              <a:t>7</a:t>
+            </a:r>
+            <a:r>
+              <a:rPr lang="ja-JP" altLang="en-US" sz="3600" dirty="0" err="1"/>
+              <a:t>つの</a:t>
+            </a:r>
+            <a:r>
+              <a:rPr lang="ja-JP" altLang="en-US" sz="3600" dirty="0"/>
+              <a:t>習慣セミナー</a:t>
             </a:r>
             <a:endParaRPr lang="en-US" altLang="ja-JP" sz="3600" dirty="0"/>
           </a:p>
@@ -7443,8 +7648,16 @@
           <a:p>
             <a:pPr algn="ctr"/>
             <a:r>
+              <a:rPr lang="en-US" altLang="ja-JP" sz="5400" dirty="0"/>
+              <a:t>7</a:t>
+            </a:r>
+            <a:r>
+              <a:rPr kumimoji="1" lang="ja-JP" altLang="en-US" sz="5400" dirty="0" err="1"/>
+              <a:t>つの</a:t>
+            </a:r>
+            <a:r>
               <a:rPr kumimoji="1" lang="ja-JP" altLang="en-US" sz="5400" dirty="0"/>
-              <a:t>七つの習慣セミナー</a:t>
+              <a:t>習慣セミナー</a:t>
             </a:r>
           </a:p>
         </p:txBody>
@@ -7464,7 +7677,7 @@
           <a:bodyPr/>
           <a:lstStyle/>
           <a:p>
-            <a:endParaRPr kumimoji="1" lang="ja-JP" altLang="en-US"/>
+            <a:endParaRPr kumimoji="1" lang="ja-JP" altLang="en-US" dirty="0"/>
           </a:p>
         </p:txBody>
       </p:sp>
@@ -7538,8 +7751,16 @@
           <a:lstStyle/>
           <a:p>
             <a:r>
+              <a:rPr lang="en-US" altLang="ja-JP" dirty="0"/>
+              <a:t>7</a:t>
+            </a:r>
+            <a:r>
+              <a:rPr kumimoji="1" lang="ja-JP" altLang="en-US" dirty="0" err="1"/>
+              <a:t>つの</a:t>
+            </a:r>
+            <a:r>
               <a:rPr kumimoji="1" lang="ja-JP" altLang="en-US" dirty="0"/>
-              <a:t>七つの習慣セミナー</a:t>
+              <a:t>習慣セミナー</a:t>
             </a:r>
           </a:p>
         </p:txBody>
@@ -7586,8 +7807,8 @@
               <a:buNone/>
             </a:pPr>
             <a:r>
-              <a:rPr lang="ja-JP" altLang="en-US" sz="3600"/>
-              <a:t>→、恐怖</a:t>
+              <a:rPr lang="ja-JP" altLang="en-US" sz="3600" dirty="0"/>
+              <a:t>→楽しみ、恐怖</a:t>
             </a:r>
             <a:endParaRPr lang="en-US" altLang="ja-JP" sz="3600" dirty="0"/>
           </a:p>
@@ -8002,8 +8223,16 @@
           <a:lstStyle/>
           <a:p>
             <a:r>
+              <a:rPr lang="en-US" altLang="ja-JP" dirty="0"/>
+              <a:t>7</a:t>
+            </a:r>
+            <a:r>
+              <a:rPr kumimoji="1" lang="ja-JP" altLang="en-US" dirty="0" err="1"/>
+              <a:t>つの</a:t>
+            </a:r>
+            <a:r>
               <a:rPr kumimoji="1" lang="ja-JP" altLang="en-US" dirty="0"/>
-              <a:t>七つの習慣セミナー</a:t>
+              <a:t>習慣セミナー</a:t>
             </a:r>
           </a:p>
         </p:txBody>
@@ -8156,7 +8385,7 @@
           <a:bodyPr/>
           <a:lstStyle/>
           <a:p>
-            <a:endParaRPr kumimoji="1" lang="ja-JP" altLang="en-US"/>
+            <a:endParaRPr kumimoji="1" lang="ja-JP" altLang="en-US" dirty="0"/>
           </a:p>
         </p:txBody>
       </p:sp>
@@ -8848,7 +9077,7 @@
           <a:bodyPr/>
           <a:lstStyle/>
           <a:p>
-            <a:endParaRPr kumimoji="1" lang="ja-JP" altLang="en-US"/>
+            <a:endParaRPr kumimoji="1" lang="ja-JP" altLang="en-US" dirty="0"/>
           </a:p>
         </p:txBody>
       </p:sp>
